--- a/ppt/IoT02-Arduino.pptx
+++ b/ppt/IoT02-Arduino.pptx
@@ -5,13 +5,18 @@
     <p:sldMasterId id="2147483653" r:id="rId1"/>
   </p:sldMasterIdLst>
   <p:notesMasterIdLst>
-    <p:notesMasterId r:id="rId3"/>
+    <p:notesMasterId r:id="rId8"/>
   </p:notesMasterIdLst>
   <p:handoutMasterIdLst>
-    <p:handoutMasterId r:id="rId4"/>
+    <p:handoutMasterId r:id="rId9"/>
   </p:handoutMasterIdLst>
   <p:sldIdLst>
     <p:sldId id="264" r:id="rId2"/>
+    <p:sldId id="265" r:id="rId3"/>
+    <p:sldId id="267" r:id="rId4"/>
+    <p:sldId id="266" r:id="rId5"/>
+    <p:sldId id="268" r:id="rId6"/>
+    <p:sldId id="269" r:id="rId7"/>
   </p:sldIdLst>
   <p:sldSz cx="9144000" cy="6858000" type="screen4x3"/>
   <p:notesSz cx="6648450" cy="9782175"/>
@@ -2900,8 +2905,8 @@
               <a:defRPr/>
             </a:pPr>
             <a:r>
-              <a:rPr lang="fr-FR" sz="1600" dirty="0" smtClean="0"/>
-              <a:t>Python</a:t>
+              <a:rPr lang="fr-FR" sz="1600" dirty="0" err="1" smtClean="0"/>
+              <a:t>IoT</a:t>
             </a:r>
             <a:endParaRPr lang="fr-FR" dirty="0" smtClean="0">
               <a:latin typeface="Times New Roman" pitchFamily="18" charset="0"/>
@@ -3706,22 +3711,43 @@
             <a:pPr eaLnBrk="1" hangingPunct="1"/>
             <a:r>
               <a:rPr lang="fr-FR" altLang="fr-FR" dirty="0" smtClean="0"/>
-              <a:t>Chapitre </a:t>
-            </a:r>
-            <a:r>
-              <a:rPr lang="fr-FR" altLang="fr-FR" dirty="0" smtClean="0"/>
-              <a:t>1</a:t>
+              <a:t>Chapitre 2</a:t>
             </a:r>
           </a:p>
           <a:p>
             <a:pPr eaLnBrk="1" hangingPunct="1"/>
             <a:r>
-              <a:rPr lang="fr-FR" altLang="fr-FR" dirty="0" smtClean="0"/>
-              <a:t>Introduction</a:t>
-            </a:r>
+              <a:rPr lang="fr-FR" altLang="fr-FR" dirty="0" err="1" smtClean="0"/>
+              <a:t>Arduino</a:t>
+            </a:r>
+            <a:endParaRPr lang="fr-FR" altLang="fr-FR" dirty="0" smtClean="0"/>
           </a:p>
         </p:txBody>
       </p:sp>
+      <p:pic>
+        <p:nvPicPr>
+          <p:cNvPr id="3" name="Image 2"/>
+          <p:cNvPicPr>
+            <a:picLocks noChangeAspect="1"/>
+          </p:cNvPicPr>
+          <p:nvPr/>
+        </p:nvPicPr>
+        <p:blipFill>
+          <a:blip r:embed="rId2"/>
+          <a:stretch>
+            <a:fillRect/>
+          </a:stretch>
+        </p:blipFill>
+        <p:spPr>
+          <a:xfrm>
+            <a:off x="3237452" y="3140968"/>
+            <a:ext cx="2669096" cy="2016224"/>
+          </a:xfrm>
+          <a:prstGeom prst="rect">
+            <a:avLst/>
+          </a:prstGeom>
+        </p:spPr>
+      </p:pic>
     </p:spTree>
   </p:cSld>
   <p:clrMapOvr>
@@ -3734,6 +3760,761 @@
       </p:par>
     </p:tnLst>
   </p:timing>
+</p:sld>
+</file>
+
+<file path=ppt/slides/slide2.xml><?xml version="1.0" encoding="utf-8"?>
+<p:sld xmlns:a="http://schemas.openxmlformats.org/drawingml/2006/main" xmlns:r="http://schemas.openxmlformats.org/officeDocument/2006/relationships" xmlns:p="http://schemas.openxmlformats.org/presentationml/2006/main">
+  <p:cSld>
+    <p:spTree>
+      <p:nvGrpSpPr>
+        <p:cNvPr id="1" name=""/>
+        <p:cNvGrpSpPr/>
+        <p:nvPr/>
+      </p:nvGrpSpPr>
+      <p:grpSpPr>
+        <a:xfrm>
+          <a:off x="0" y="0"/>
+          <a:ext cx="0" cy="0"/>
+          <a:chOff x="0" y="0"/>
+          <a:chExt cx="0" cy="0"/>
+        </a:xfrm>
+      </p:grpSpPr>
+      <p:sp>
+        <p:nvSpPr>
+          <p:cNvPr id="2" name="Titre 1"/>
+          <p:cNvSpPr>
+            <a:spLocks noGrp="1"/>
+          </p:cNvSpPr>
+          <p:nvPr>
+            <p:ph type="title"/>
+          </p:nvPr>
+        </p:nvSpPr>
+        <p:spPr/>
+        <p:txBody>
+          <a:bodyPr/>
+          <a:lstStyle/>
+          <a:p>
+            <a:r>
+              <a:rPr lang="fr-FR" dirty="0" err="1" smtClean="0"/>
+              <a:t>Arduino</a:t>
+            </a:r>
+            <a:endParaRPr lang="fr-FR" dirty="0"/>
+          </a:p>
+        </p:txBody>
+      </p:sp>
+      <p:sp>
+        <p:nvSpPr>
+          <p:cNvPr id="3" name="Espace réservé du contenu 2"/>
+          <p:cNvSpPr>
+            <a:spLocks noGrp="1"/>
+          </p:cNvSpPr>
+          <p:nvPr>
+            <p:ph idx="1"/>
+          </p:nvPr>
+        </p:nvSpPr>
+        <p:spPr/>
+        <p:txBody>
+          <a:bodyPr/>
+          <a:lstStyle/>
+          <a:p>
+            <a:r>
+              <a:rPr lang="fr-FR" dirty="0" err="1" smtClean="0"/>
+              <a:t>Arduino</a:t>
+            </a:r>
+            <a:r>
+              <a:rPr lang="fr-FR" dirty="0" smtClean="0"/>
+              <a:t> est un projet libre de </a:t>
+            </a:r>
+            <a:r>
+              <a:rPr lang="fr-FR" dirty="0" err="1" smtClean="0"/>
+              <a:t>micro-contrôleur</a:t>
+            </a:r>
+            <a:endParaRPr lang="fr-FR" dirty="0" smtClean="0"/>
+          </a:p>
+          <a:p>
+            <a:pPr lvl="1"/>
+            <a:r>
+              <a:rPr lang="fr-FR" dirty="0" smtClean="0"/>
+              <a:t>Hardware</a:t>
+            </a:r>
+          </a:p>
+          <a:p>
+            <a:pPr lvl="1"/>
+            <a:r>
+              <a:rPr lang="fr-FR" dirty="0" err="1" smtClean="0"/>
+              <a:t>Sofware</a:t>
+            </a:r>
+            <a:endParaRPr lang="fr-FR" dirty="0" smtClean="0"/>
+          </a:p>
+          <a:p>
+            <a:pPr lvl="1"/>
+            <a:r>
+              <a:rPr lang="fr-FR" dirty="0" smtClean="0"/>
+              <a:t>Pas d'OS</a:t>
+            </a:r>
+          </a:p>
+          <a:p>
+            <a:r>
+              <a:rPr lang="fr-FR" dirty="0" smtClean="0"/>
+              <a:t>Arduino.cc</a:t>
+            </a:r>
+          </a:p>
+          <a:p>
+            <a:r>
+              <a:rPr lang="fr-FR" dirty="0" smtClean="0"/>
+              <a:t>Basé sur ATM</a:t>
+            </a:r>
+            <a:endParaRPr lang="fr-FR" dirty="0"/>
+          </a:p>
+        </p:txBody>
+      </p:sp>
+      <p:pic>
+        <p:nvPicPr>
+          <p:cNvPr id="4" name="Image 3"/>
+          <p:cNvPicPr>
+            <a:picLocks noChangeAspect="1"/>
+          </p:cNvPicPr>
+          <p:nvPr/>
+        </p:nvPicPr>
+        <p:blipFill>
+          <a:blip r:embed="rId2"/>
+          <a:stretch>
+            <a:fillRect/>
+          </a:stretch>
+        </p:blipFill>
+        <p:spPr>
+          <a:xfrm>
+            <a:off x="4211960" y="135970"/>
+            <a:ext cx="1728192" cy="1305469"/>
+          </a:xfrm>
+          <a:prstGeom prst="rect">
+            <a:avLst/>
+          </a:prstGeom>
+        </p:spPr>
+      </p:pic>
+    </p:spTree>
+    <p:extLst>
+      <p:ext uri="{BB962C8B-B14F-4D97-AF65-F5344CB8AC3E}">
+        <p14:creationId xmlns:p14="http://schemas.microsoft.com/office/powerpoint/2010/main" val="2572437632"/>
+      </p:ext>
+    </p:extLst>
+  </p:cSld>
+  <p:clrMapOvr>
+    <a:masterClrMapping/>
+  </p:clrMapOvr>
+</p:sld>
+</file>
+
+<file path=ppt/slides/slide3.xml><?xml version="1.0" encoding="utf-8"?>
+<p:sld xmlns:a="http://schemas.openxmlformats.org/drawingml/2006/main" xmlns:r="http://schemas.openxmlformats.org/officeDocument/2006/relationships" xmlns:p="http://schemas.openxmlformats.org/presentationml/2006/main">
+  <p:cSld>
+    <p:spTree>
+      <p:nvGrpSpPr>
+        <p:cNvPr id="1" name=""/>
+        <p:cNvGrpSpPr/>
+        <p:nvPr/>
+      </p:nvGrpSpPr>
+      <p:grpSpPr>
+        <a:xfrm>
+          <a:off x="0" y="0"/>
+          <a:ext cx="0" cy="0"/>
+          <a:chOff x="0" y="0"/>
+          <a:chExt cx="0" cy="0"/>
+        </a:xfrm>
+      </p:grpSpPr>
+      <p:sp>
+        <p:nvSpPr>
+          <p:cNvPr id="2" name="Titre 1"/>
+          <p:cNvSpPr>
+            <a:spLocks noGrp="1"/>
+          </p:cNvSpPr>
+          <p:nvPr>
+            <p:ph type="title"/>
+          </p:nvPr>
+        </p:nvSpPr>
+        <p:spPr/>
+        <p:txBody>
+          <a:bodyPr/>
+          <a:lstStyle/>
+          <a:p>
+            <a:r>
+              <a:rPr lang="fr-FR" dirty="0" smtClean="0"/>
+              <a:t>Les différents types d'</a:t>
+            </a:r>
+            <a:r>
+              <a:rPr lang="fr-FR" dirty="0" err="1" smtClean="0"/>
+              <a:t>Arduino</a:t>
+            </a:r>
+            <a:endParaRPr lang="fr-FR" dirty="0"/>
+          </a:p>
+        </p:txBody>
+      </p:sp>
+      <p:pic>
+        <p:nvPicPr>
+          <p:cNvPr id="4" name="Image 3"/>
+          <p:cNvPicPr>
+            <a:picLocks noChangeAspect="1"/>
+          </p:cNvPicPr>
+          <p:nvPr/>
+        </p:nvPicPr>
+        <p:blipFill>
+          <a:blip r:embed="rId2"/>
+          <a:stretch>
+            <a:fillRect/>
+          </a:stretch>
+        </p:blipFill>
+        <p:spPr>
+          <a:xfrm>
+            <a:off x="0" y="1014485"/>
+            <a:ext cx="9144000" cy="4829029"/>
+          </a:xfrm>
+          <a:prstGeom prst="rect">
+            <a:avLst/>
+          </a:prstGeom>
+        </p:spPr>
+      </p:pic>
+    </p:spTree>
+    <p:extLst>
+      <p:ext uri="{BB962C8B-B14F-4D97-AF65-F5344CB8AC3E}">
+        <p14:creationId xmlns:p14="http://schemas.microsoft.com/office/powerpoint/2010/main" val="2493557937"/>
+      </p:ext>
+    </p:extLst>
+  </p:cSld>
+  <p:clrMapOvr>
+    <a:masterClrMapping/>
+  </p:clrMapOvr>
+</p:sld>
+</file>
+
+<file path=ppt/slides/slide4.xml><?xml version="1.0" encoding="utf-8"?>
+<p:sld xmlns:a="http://schemas.openxmlformats.org/drawingml/2006/main" xmlns:r="http://schemas.openxmlformats.org/officeDocument/2006/relationships" xmlns:p="http://schemas.openxmlformats.org/presentationml/2006/main">
+  <p:cSld>
+    <p:spTree>
+      <p:nvGrpSpPr>
+        <p:cNvPr id="1" name=""/>
+        <p:cNvGrpSpPr/>
+        <p:nvPr/>
+      </p:nvGrpSpPr>
+      <p:grpSpPr>
+        <a:xfrm>
+          <a:off x="0" y="0"/>
+          <a:ext cx="0" cy="0"/>
+          <a:chOff x="0" y="0"/>
+          <a:chExt cx="0" cy="0"/>
+        </a:xfrm>
+      </p:grpSpPr>
+      <p:sp>
+        <p:nvSpPr>
+          <p:cNvPr id="2" name="Titre 1"/>
+          <p:cNvSpPr>
+            <a:spLocks noGrp="1"/>
+          </p:cNvSpPr>
+          <p:nvPr>
+            <p:ph type="title"/>
+          </p:nvPr>
+        </p:nvSpPr>
+        <p:spPr/>
+        <p:txBody>
+          <a:bodyPr/>
+          <a:lstStyle/>
+          <a:p>
+            <a:r>
+              <a:rPr lang="fr-FR" dirty="0" err="1" smtClean="0"/>
+              <a:t>Arduino</a:t>
+            </a:r>
+            <a:r>
+              <a:rPr lang="fr-FR" dirty="0" smtClean="0"/>
+              <a:t> UNO</a:t>
+            </a:r>
+            <a:endParaRPr lang="fr-FR" dirty="0"/>
+          </a:p>
+        </p:txBody>
+      </p:sp>
+      <p:sp>
+        <p:nvSpPr>
+          <p:cNvPr id="3" name="Espace réservé du contenu 2"/>
+          <p:cNvSpPr>
+            <a:spLocks noGrp="1"/>
+          </p:cNvSpPr>
+          <p:nvPr>
+            <p:ph idx="1"/>
+          </p:nvPr>
+        </p:nvSpPr>
+        <p:spPr/>
+        <p:txBody>
+          <a:bodyPr/>
+          <a:lstStyle/>
+          <a:p>
+            <a:r>
+              <a:rPr lang="fr-FR" sz="2400" dirty="0" err="1" smtClean="0"/>
+              <a:t>Arduino</a:t>
+            </a:r>
+            <a:r>
+              <a:rPr lang="fr-FR" sz="2400" dirty="0" smtClean="0"/>
+              <a:t> </a:t>
+            </a:r>
+            <a:r>
+              <a:rPr lang="fr-FR" sz="2400" dirty="0" err="1" smtClean="0"/>
+              <a:t>Uno</a:t>
+            </a:r>
+            <a:r>
+              <a:rPr lang="fr-FR" sz="2400" dirty="0" smtClean="0"/>
+              <a:t> est le produit phare d'</a:t>
+            </a:r>
+            <a:r>
+              <a:rPr lang="fr-FR" sz="2400" dirty="0" err="1" smtClean="0"/>
+              <a:t>Arduino</a:t>
+            </a:r>
+            <a:endParaRPr lang="fr-FR" sz="2400" dirty="0" smtClean="0"/>
+          </a:p>
+          <a:p>
+            <a:r>
+              <a:rPr lang="fr-FR" sz="2400" dirty="0"/>
+              <a:t>Contrôleur </a:t>
+            </a:r>
+            <a:r>
+              <a:rPr lang="fr-FR" sz="2400" dirty="0" smtClean="0"/>
+              <a:t>ATmega328P</a:t>
+            </a:r>
+          </a:p>
+          <a:p>
+            <a:r>
+              <a:rPr lang="fr-FR" sz="2400" dirty="0" smtClean="0"/>
+              <a:t>Flash : 32Ko</a:t>
+            </a:r>
+          </a:p>
+          <a:p>
+            <a:r>
+              <a:rPr lang="fr-FR" sz="2400" dirty="0" smtClean="0"/>
+              <a:t>RAM : 2Ko</a:t>
+            </a:r>
+          </a:p>
+          <a:p>
+            <a:r>
+              <a:rPr lang="fr-FR" sz="2400" dirty="0" smtClean="0"/>
+              <a:t>20 MHz en 8 bits</a:t>
+            </a:r>
+          </a:p>
+          <a:p>
+            <a:r>
+              <a:rPr lang="fr-FR" sz="2400" dirty="0" smtClean="0"/>
+              <a:t>16 I/O Numériques</a:t>
+            </a:r>
+          </a:p>
+          <a:p>
+            <a:pPr lvl="1"/>
+            <a:r>
+              <a:rPr lang="fr-FR" sz="2000" dirty="0" smtClean="0"/>
+              <a:t>Dont 6 en bus</a:t>
+            </a:r>
+          </a:p>
+          <a:p>
+            <a:r>
+              <a:rPr lang="fr-FR" sz="2400" dirty="0" smtClean="0"/>
+              <a:t>6 I/O Analogiques</a:t>
+            </a:r>
+          </a:p>
+          <a:p>
+            <a:r>
+              <a:rPr lang="fr-FR" sz="2400" dirty="0" smtClean="0"/>
+              <a:t>U = 5v-12v</a:t>
+            </a:r>
+          </a:p>
+          <a:p>
+            <a:r>
+              <a:rPr lang="fr-FR" sz="2400" dirty="0" smtClean="0"/>
+              <a:t>I = 46mA pour 9v</a:t>
+            </a:r>
+          </a:p>
+          <a:p>
+            <a:r>
+              <a:rPr lang="fr-FR" sz="2400" dirty="0" err="1" smtClean="0"/>
+              <a:t>Pmin</a:t>
+            </a:r>
+            <a:r>
+              <a:rPr lang="fr-FR" sz="2400" dirty="0" smtClean="0"/>
+              <a:t> = 0.41W, </a:t>
+            </a:r>
+            <a:r>
+              <a:rPr lang="fr-FR" sz="2400" dirty="0" err="1" smtClean="0"/>
+              <a:t>Pmax</a:t>
+            </a:r>
+            <a:r>
+              <a:rPr lang="fr-FR" sz="2400" dirty="0" smtClean="0"/>
+              <a:t> = 2.5W</a:t>
+            </a:r>
+          </a:p>
+          <a:p>
+            <a:endParaRPr lang="fr-FR" sz="2400" dirty="0"/>
+          </a:p>
+        </p:txBody>
+      </p:sp>
+      <p:pic>
+        <p:nvPicPr>
+          <p:cNvPr id="4" name="Picture 2" descr="Arduino Board"/>
+          <p:cNvPicPr>
+            <a:picLocks noChangeAspect="1" noChangeArrowheads="1"/>
+          </p:cNvPicPr>
+          <p:nvPr/>
+        </p:nvPicPr>
+        <p:blipFill>
+          <a:blip r:embed="rId2">
+            <a:extLst>
+              <a:ext uri="{28A0092B-C50C-407E-A947-70E740481C1C}">
+                <a14:useLocalDpi xmlns:a14="http://schemas.microsoft.com/office/drawing/2010/main" val="0"/>
+              </a:ext>
+            </a:extLst>
+          </a:blip>
+          <a:srcRect/>
+          <a:stretch>
+            <a:fillRect/>
+          </a:stretch>
+        </p:blipFill>
+        <p:spPr bwMode="auto">
+          <a:xfrm>
+            <a:off x="6156176" y="4293096"/>
+            <a:ext cx="2419350" cy="1724025"/>
+          </a:xfrm>
+          <a:prstGeom prst="rect">
+            <a:avLst/>
+          </a:prstGeom>
+          <a:noFill/>
+          <a:extLst>
+            <a:ext uri="{909E8E84-426E-40DD-AFC4-6F175D3DCCD1}">
+              <a14:hiddenFill xmlns:a14="http://schemas.microsoft.com/office/drawing/2010/main">
+                <a:solidFill>
+                  <a:srgbClr val="FFFFFF"/>
+                </a:solidFill>
+              </a14:hiddenFill>
+            </a:ext>
+          </a:extLst>
+        </p:spPr>
+      </p:pic>
+    </p:spTree>
+    <p:extLst>
+      <p:ext uri="{BB962C8B-B14F-4D97-AF65-F5344CB8AC3E}">
+        <p14:creationId xmlns:p14="http://schemas.microsoft.com/office/powerpoint/2010/main" val="1476078741"/>
+      </p:ext>
+    </p:extLst>
+  </p:cSld>
+  <p:clrMapOvr>
+    <a:masterClrMapping/>
+  </p:clrMapOvr>
+</p:sld>
+</file>
+
+<file path=ppt/slides/slide5.xml><?xml version="1.0" encoding="utf-8"?>
+<p:sld xmlns:a="http://schemas.openxmlformats.org/drawingml/2006/main" xmlns:r="http://schemas.openxmlformats.org/officeDocument/2006/relationships" xmlns:p="http://schemas.openxmlformats.org/presentationml/2006/main">
+  <p:cSld>
+    <p:spTree>
+      <p:nvGrpSpPr>
+        <p:cNvPr id="1" name=""/>
+        <p:cNvGrpSpPr/>
+        <p:nvPr/>
+      </p:nvGrpSpPr>
+      <p:grpSpPr>
+        <a:xfrm>
+          <a:off x="0" y="0"/>
+          <a:ext cx="0" cy="0"/>
+          <a:chOff x="0" y="0"/>
+          <a:chExt cx="0" cy="0"/>
+        </a:xfrm>
+      </p:grpSpPr>
+      <p:sp>
+        <p:nvSpPr>
+          <p:cNvPr id="2" name="Titre 1"/>
+          <p:cNvSpPr>
+            <a:spLocks noGrp="1"/>
+          </p:cNvSpPr>
+          <p:nvPr>
+            <p:ph type="title"/>
+          </p:nvPr>
+        </p:nvSpPr>
+        <p:spPr/>
+        <p:txBody>
+          <a:bodyPr/>
+          <a:lstStyle/>
+          <a:p>
+            <a:r>
+              <a:rPr lang="fr-FR" dirty="0" smtClean="0"/>
+              <a:t>Kits</a:t>
+            </a:r>
+            <a:endParaRPr lang="fr-FR" dirty="0"/>
+          </a:p>
+        </p:txBody>
+      </p:sp>
+      <p:sp>
+        <p:nvSpPr>
+          <p:cNvPr id="3" name="Espace réservé du contenu 2"/>
+          <p:cNvSpPr>
+            <a:spLocks noGrp="1"/>
+          </p:cNvSpPr>
+          <p:nvPr>
+            <p:ph idx="1"/>
+          </p:nvPr>
+        </p:nvSpPr>
+        <p:spPr/>
+        <p:txBody>
+          <a:bodyPr/>
+          <a:lstStyle/>
+          <a:p>
+            <a:r>
+              <a:rPr lang="fr-FR" dirty="0" smtClean="0"/>
+              <a:t>La carte </a:t>
+            </a:r>
+            <a:r>
+              <a:rPr lang="fr-FR" dirty="0" err="1" smtClean="0"/>
+              <a:t>Arduino</a:t>
+            </a:r>
+            <a:r>
+              <a:rPr lang="fr-FR" dirty="0" smtClean="0"/>
+              <a:t> nécessite un kit pour brancher des éléments</a:t>
+            </a:r>
+          </a:p>
+          <a:p>
+            <a:endParaRPr lang="fr-FR" dirty="0"/>
+          </a:p>
+        </p:txBody>
+      </p:sp>
+      <p:pic>
+        <p:nvPicPr>
+          <p:cNvPr id="1028" name="Picture 4" descr="Résultat de recherche d'images pour &quot;kit Arduino&quot;"/>
+          <p:cNvPicPr>
+            <a:picLocks noChangeAspect="1" noChangeArrowheads="1"/>
+          </p:cNvPicPr>
+          <p:nvPr/>
+        </p:nvPicPr>
+        <p:blipFill>
+          <a:blip r:embed="rId2">
+            <a:extLst>
+              <a:ext uri="{28A0092B-C50C-407E-A947-70E740481C1C}">
+                <a14:useLocalDpi xmlns:a14="http://schemas.microsoft.com/office/drawing/2010/main" val="0"/>
+              </a:ext>
+            </a:extLst>
+          </a:blip>
+          <a:srcRect/>
+          <a:stretch>
+            <a:fillRect/>
+          </a:stretch>
+        </p:blipFill>
+        <p:spPr bwMode="auto">
+          <a:xfrm>
+            <a:off x="2381312" y="2347452"/>
+            <a:ext cx="4362450" cy="4362451"/>
+          </a:xfrm>
+          <a:prstGeom prst="rect">
+            <a:avLst/>
+          </a:prstGeom>
+          <a:noFill/>
+          <a:extLst>
+            <a:ext uri="{909E8E84-426E-40DD-AFC4-6F175D3DCCD1}">
+              <a14:hiddenFill xmlns:a14="http://schemas.microsoft.com/office/drawing/2010/main">
+                <a:solidFill>
+                  <a:srgbClr val="FFFFFF"/>
+                </a:solidFill>
+              </a14:hiddenFill>
+            </a:ext>
+          </a:extLst>
+        </p:spPr>
+      </p:pic>
+    </p:spTree>
+    <p:extLst>
+      <p:ext uri="{BB962C8B-B14F-4D97-AF65-F5344CB8AC3E}">
+        <p14:creationId xmlns:p14="http://schemas.microsoft.com/office/powerpoint/2010/main" val="3353193933"/>
+      </p:ext>
+    </p:extLst>
+  </p:cSld>
+  <p:clrMapOvr>
+    <a:masterClrMapping/>
+  </p:clrMapOvr>
+</p:sld>
+</file>
+
+<file path=ppt/slides/slide6.xml><?xml version="1.0" encoding="utf-8"?>
+<p:sld xmlns:a="http://schemas.openxmlformats.org/drawingml/2006/main" xmlns:r="http://schemas.openxmlformats.org/officeDocument/2006/relationships" xmlns:p="http://schemas.openxmlformats.org/presentationml/2006/main">
+  <p:cSld>
+    <p:spTree>
+      <p:nvGrpSpPr>
+        <p:cNvPr id="1" name=""/>
+        <p:cNvGrpSpPr/>
+        <p:nvPr/>
+      </p:nvGrpSpPr>
+      <p:grpSpPr>
+        <a:xfrm>
+          <a:off x="0" y="0"/>
+          <a:ext cx="0" cy="0"/>
+          <a:chOff x="0" y="0"/>
+          <a:chExt cx="0" cy="0"/>
+        </a:xfrm>
+      </p:grpSpPr>
+      <p:sp>
+        <p:nvSpPr>
+          <p:cNvPr id="2" name="Titre 1"/>
+          <p:cNvSpPr>
+            <a:spLocks noGrp="1"/>
+          </p:cNvSpPr>
+          <p:nvPr>
+            <p:ph type="title"/>
+          </p:nvPr>
+        </p:nvSpPr>
+        <p:spPr/>
+        <p:txBody>
+          <a:bodyPr/>
+          <a:lstStyle/>
+          <a:p>
+            <a:r>
+              <a:rPr lang="fr-FR" dirty="0" smtClean="0"/>
+              <a:t>Types d'extensions</a:t>
+            </a:r>
+            <a:endParaRPr lang="fr-FR" dirty="0"/>
+          </a:p>
+        </p:txBody>
+      </p:sp>
+      <p:sp>
+        <p:nvSpPr>
+          <p:cNvPr id="3" name="Espace réservé du contenu 2"/>
+          <p:cNvSpPr>
+            <a:spLocks noGrp="1"/>
+          </p:cNvSpPr>
+          <p:nvPr>
+            <p:ph idx="1"/>
+          </p:nvPr>
+        </p:nvSpPr>
+        <p:spPr>
+          <a:xfrm>
+            <a:off x="179513" y="1412776"/>
+            <a:ext cx="5616624" cy="5040560"/>
+          </a:xfrm>
+        </p:spPr>
+        <p:txBody>
+          <a:bodyPr/>
+          <a:lstStyle/>
+          <a:p>
+            <a:r>
+              <a:rPr lang="fr-FR" dirty="0" smtClean="0"/>
+              <a:t>I/O</a:t>
+            </a:r>
+          </a:p>
+          <a:p>
+            <a:pPr lvl="1"/>
+            <a:r>
+              <a:rPr lang="fr-FR" dirty="0" smtClean="0"/>
+              <a:t>Nécessite une planche d'essai ou des </a:t>
+            </a:r>
+            <a:r>
+              <a:rPr lang="fr-FR" dirty="0" smtClean="0"/>
+              <a:t>soudures </a:t>
+            </a:r>
+            <a:r>
+              <a:rPr lang="fr-FR" dirty="0" smtClean="0"/>
+              <a:t>pour fonctionner</a:t>
+            </a:r>
+          </a:p>
+          <a:p>
+            <a:r>
+              <a:rPr lang="fr-FR" dirty="0" smtClean="0"/>
+              <a:t>Bridge</a:t>
+            </a:r>
+          </a:p>
+          <a:p>
+            <a:pPr lvl="1"/>
+            <a:r>
+              <a:rPr lang="fr-FR" dirty="0" smtClean="0"/>
+              <a:t>Se branche directement sur l'</a:t>
+            </a:r>
+            <a:r>
+              <a:rPr lang="fr-FR" dirty="0" err="1" smtClean="0"/>
+              <a:t>Arduino</a:t>
+            </a:r>
+            <a:r>
+              <a:rPr lang="fr-FR" dirty="0" smtClean="0"/>
+              <a:t> en passant par le Bridge</a:t>
+            </a:r>
+          </a:p>
+          <a:p>
+            <a:pPr lvl="1"/>
+            <a:endParaRPr lang="fr-FR" dirty="0" smtClean="0"/>
+          </a:p>
+          <a:p>
+            <a:pPr lvl="1"/>
+            <a:endParaRPr lang="fr-FR" dirty="0"/>
+          </a:p>
+        </p:txBody>
+      </p:sp>
+      <p:pic>
+        <p:nvPicPr>
+          <p:cNvPr id="5124" name="Picture 4" descr="Résultat de recherche d'images pour &quot;bridge Arduino&quot;"/>
+          <p:cNvPicPr>
+            <a:picLocks noChangeAspect="1" noChangeArrowheads="1"/>
+          </p:cNvPicPr>
+          <p:nvPr/>
+        </p:nvPicPr>
+        <p:blipFill>
+          <a:blip r:embed="rId2" cstate="print">
+            <a:extLst>
+              <a:ext uri="{28A0092B-C50C-407E-A947-70E740481C1C}">
+                <a14:useLocalDpi xmlns:a14="http://schemas.microsoft.com/office/drawing/2010/main" val="0"/>
+              </a:ext>
+            </a:extLst>
+          </a:blip>
+          <a:srcRect/>
+          <a:stretch>
+            <a:fillRect/>
+          </a:stretch>
+        </p:blipFill>
+        <p:spPr bwMode="auto">
+          <a:xfrm>
+            <a:off x="6039907" y="1718796"/>
+            <a:ext cx="2919946" cy="2233142"/>
+          </a:xfrm>
+          <a:prstGeom prst="rect">
+            <a:avLst/>
+          </a:prstGeom>
+          <a:noFill/>
+          <a:extLst>
+            <a:ext uri="{909E8E84-426E-40DD-AFC4-6F175D3DCCD1}">
+              <a14:hiddenFill xmlns:a14="http://schemas.microsoft.com/office/drawing/2010/main">
+                <a:solidFill>
+                  <a:srgbClr val="FFFFFF"/>
+                </a:solidFill>
+              </a14:hiddenFill>
+            </a:ext>
+          </a:extLst>
+        </p:spPr>
+      </p:pic>
+      <p:pic>
+        <p:nvPicPr>
+          <p:cNvPr id="6" name="Image 5"/>
+          <p:cNvPicPr/>
+          <p:nvPr/>
+        </p:nvPicPr>
+        <p:blipFill>
+          <a:blip r:embed="rId3"/>
+          <a:stretch>
+            <a:fillRect/>
+          </a:stretch>
+        </p:blipFill>
+        <p:spPr>
+          <a:xfrm>
+            <a:off x="6134990" y="4032448"/>
+            <a:ext cx="3009010" cy="2420888"/>
+          </a:xfrm>
+          <a:prstGeom prst="rect">
+            <a:avLst/>
+          </a:prstGeom>
+        </p:spPr>
+      </p:pic>
+    </p:spTree>
+    <p:extLst>
+      <p:ext uri="{BB962C8B-B14F-4D97-AF65-F5344CB8AC3E}">
+        <p14:creationId xmlns:p14="http://schemas.microsoft.com/office/powerpoint/2010/main" val="3296270152"/>
+      </p:ext>
+    </p:extLst>
+  </p:cSld>
+  <p:clrMapOvr>
+    <a:masterClrMapping/>
+  </p:clrMapOvr>
 </p:sld>
 </file>
 

--- a/ppt/IoT02-Arduino.pptx
+++ b/ppt/IoT02-Arduino.pptx
@@ -609,35 +609,35 @@
           <a:p>
             <a:pPr lvl="0"/>
             <a:r>
-              <a:rPr lang="fr-FR" noProof="0" smtClean="0"/>
+              <a:rPr lang="fr-FR" noProof="0"/>
               <a:t>Cliquez pour modifier les styles du texte du masque</a:t>
             </a:r>
           </a:p>
           <a:p>
             <a:pPr lvl="1"/>
             <a:r>
-              <a:rPr lang="fr-FR" noProof="0" smtClean="0"/>
+              <a:rPr lang="fr-FR" noProof="0"/>
               <a:t>Deuxième niveau</a:t>
             </a:r>
           </a:p>
           <a:p>
             <a:pPr lvl="2"/>
             <a:r>
-              <a:rPr lang="fr-FR" noProof="0" smtClean="0"/>
+              <a:rPr lang="fr-FR" noProof="0"/>
               <a:t>Troisième niveau</a:t>
             </a:r>
           </a:p>
           <a:p>
             <a:pPr lvl="3"/>
             <a:r>
-              <a:rPr lang="fr-FR" noProof="0" smtClean="0"/>
+              <a:rPr lang="fr-FR" noProof="0"/>
               <a:t>Quatrième niveau</a:t>
             </a:r>
           </a:p>
           <a:p>
             <a:pPr lvl="4"/>
             <a:r>
-              <a:rPr lang="fr-FR" noProof="0" smtClean="0"/>
+              <a:rPr lang="fr-FR" noProof="0"/>
               <a:t>Cinquième niveau</a:t>
             </a:r>
           </a:p>
@@ -925,10 +925,9 @@
           <a:lstStyle/>
           <a:p>
             <a:r>
-              <a:rPr lang="fr-FR" smtClean="0"/>
+              <a:rPr lang="fr-FR"/>
               <a:t>Cliquez pour modifier le style du titre</a:t>
             </a:r>
-            <a:endParaRPr lang="fr-FR"/>
           </a:p>
         </p:txBody>
       </p:sp>
@@ -990,10 +989,9 @@
           </a:lstStyle>
           <a:p>
             <a:r>
-              <a:rPr lang="fr-FR" smtClean="0"/>
+              <a:rPr lang="fr-FR"/>
               <a:t>Cliquez pour modifier le style des sous-titres du masque</a:t>
             </a:r>
-            <a:endParaRPr lang="fr-FR"/>
           </a:p>
         </p:txBody>
       </p:sp>
@@ -1048,10 +1046,9 @@
           <a:lstStyle/>
           <a:p>
             <a:r>
-              <a:rPr lang="fr-FR" smtClean="0"/>
+              <a:rPr lang="fr-FR"/>
               <a:t>Cliquez pour modifier le style du titre</a:t>
             </a:r>
-            <a:endParaRPr lang="fr-FR"/>
           </a:p>
         </p:txBody>
       </p:sp>
@@ -1077,38 +1074,37 @@
           <a:p>
             <a:pPr lvl="0"/>
             <a:r>
-              <a:rPr lang="fr-FR" smtClean="0"/>
+              <a:rPr lang="fr-FR"/>
               <a:t>Cliquez pour modifier les styles du texte du masque</a:t>
             </a:r>
           </a:p>
           <a:p>
             <a:pPr lvl="1"/>
             <a:r>
-              <a:rPr lang="fr-FR" smtClean="0"/>
+              <a:rPr lang="fr-FR"/>
               <a:t>Deuxième niveau</a:t>
             </a:r>
           </a:p>
           <a:p>
             <a:pPr lvl="2"/>
             <a:r>
-              <a:rPr lang="fr-FR" smtClean="0"/>
+              <a:rPr lang="fr-FR"/>
               <a:t>Troisième niveau</a:t>
             </a:r>
           </a:p>
           <a:p>
             <a:pPr lvl="3"/>
             <a:r>
-              <a:rPr lang="fr-FR" smtClean="0"/>
+              <a:rPr lang="fr-FR"/>
               <a:t>Quatrième niveau</a:t>
             </a:r>
           </a:p>
           <a:p>
             <a:pPr lvl="4"/>
             <a:r>
-              <a:rPr lang="fr-FR" smtClean="0"/>
+              <a:rPr lang="fr-FR"/>
               <a:t>Cinquième niveau</a:t>
             </a:r>
-            <a:endParaRPr lang="fr-FR"/>
           </a:p>
         </p:txBody>
       </p:sp>
@@ -1167,10 +1163,9 @@
           </a:lstStyle>
           <a:p>
             <a:r>
-              <a:rPr lang="fr-FR" dirty="0" smtClean="0"/>
+              <a:rPr lang="fr-FR" dirty="0"/>
               <a:t>Cliquez pour modifier le style du titre</a:t>
             </a:r>
-            <a:endParaRPr lang="fr-FR" dirty="0"/>
           </a:p>
         </p:txBody>
       </p:sp>
@@ -1196,38 +1191,37 @@
           <a:p>
             <a:pPr lvl="0"/>
             <a:r>
-              <a:rPr lang="fr-FR" dirty="0" smtClean="0"/>
+              <a:rPr lang="fr-FR" dirty="0"/>
               <a:t>Cliquez pour modifier les styles du texte du masque</a:t>
             </a:r>
           </a:p>
           <a:p>
             <a:pPr lvl="1"/>
             <a:r>
-              <a:rPr lang="fr-FR" dirty="0" smtClean="0"/>
+              <a:rPr lang="fr-FR" dirty="0"/>
               <a:t>Deuxième niveau</a:t>
             </a:r>
           </a:p>
           <a:p>
             <a:pPr lvl="2"/>
             <a:r>
-              <a:rPr lang="fr-FR" dirty="0" smtClean="0"/>
+              <a:rPr lang="fr-FR" dirty="0"/>
               <a:t>Troisième niveau</a:t>
             </a:r>
           </a:p>
           <a:p>
             <a:pPr lvl="3"/>
             <a:r>
-              <a:rPr lang="fr-FR" dirty="0" smtClean="0"/>
+              <a:rPr lang="fr-FR" dirty="0"/>
               <a:t>Quatrième niveau</a:t>
             </a:r>
           </a:p>
           <a:p>
             <a:pPr lvl="4"/>
             <a:r>
-              <a:rPr lang="fr-FR" dirty="0" smtClean="0"/>
+              <a:rPr lang="fr-FR" dirty="0"/>
               <a:t>Cinquième niveau</a:t>
             </a:r>
-            <a:endParaRPr lang="fr-FR" dirty="0"/>
           </a:p>
         </p:txBody>
       </p:sp>
@@ -1277,10 +1271,9 @@
           <a:lstStyle/>
           <a:p>
             <a:r>
-              <a:rPr lang="fr-FR" smtClean="0"/>
+              <a:rPr lang="fr-FR"/>
               <a:t>Cliquez pour modifier le style du titre</a:t>
             </a:r>
-            <a:endParaRPr lang="fr-FR"/>
           </a:p>
         </p:txBody>
       </p:sp>
@@ -1334,38 +1327,37 @@
           <a:p>
             <a:pPr lvl="0"/>
             <a:r>
-              <a:rPr lang="fr-FR" smtClean="0"/>
+              <a:rPr lang="fr-FR"/>
               <a:t>Cliquez pour modifier les styles du texte du masque</a:t>
             </a:r>
           </a:p>
           <a:p>
             <a:pPr lvl="1"/>
             <a:r>
-              <a:rPr lang="fr-FR" smtClean="0"/>
+              <a:rPr lang="fr-FR"/>
               <a:t>Deuxième niveau</a:t>
             </a:r>
           </a:p>
           <a:p>
             <a:pPr lvl="2"/>
             <a:r>
-              <a:rPr lang="fr-FR" smtClean="0"/>
+              <a:rPr lang="fr-FR"/>
               <a:t>Troisième niveau</a:t>
             </a:r>
           </a:p>
           <a:p>
             <a:pPr lvl="3"/>
             <a:r>
-              <a:rPr lang="fr-FR" smtClean="0"/>
+              <a:rPr lang="fr-FR"/>
               <a:t>Quatrième niveau</a:t>
             </a:r>
           </a:p>
           <a:p>
             <a:pPr lvl="4"/>
             <a:r>
-              <a:rPr lang="fr-FR" smtClean="0"/>
+              <a:rPr lang="fr-FR"/>
               <a:t>Cinquième niveau</a:t>
             </a:r>
-            <a:endParaRPr lang="fr-FR"/>
           </a:p>
         </p:txBody>
       </p:sp>
@@ -1419,38 +1411,37 @@
           <a:p>
             <a:pPr lvl="0"/>
             <a:r>
-              <a:rPr lang="fr-FR" smtClean="0"/>
+              <a:rPr lang="fr-FR"/>
               <a:t>Cliquez pour modifier les styles du texte du masque</a:t>
             </a:r>
           </a:p>
           <a:p>
             <a:pPr lvl="1"/>
             <a:r>
-              <a:rPr lang="fr-FR" smtClean="0"/>
+              <a:rPr lang="fr-FR"/>
               <a:t>Deuxième niveau</a:t>
             </a:r>
           </a:p>
           <a:p>
             <a:pPr lvl="2"/>
             <a:r>
-              <a:rPr lang="fr-FR" smtClean="0"/>
+              <a:rPr lang="fr-FR"/>
               <a:t>Troisième niveau</a:t>
             </a:r>
           </a:p>
           <a:p>
             <a:pPr lvl="3"/>
             <a:r>
-              <a:rPr lang="fr-FR" smtClean="0"/>
+              <a:rPr lang="fr-FR"/>
               <a:t>Quatrième niveau</a:t>
             </a:r>
           </a:p>
           <a:p>
             <a:pPr lvl="4"/>
             <a:r>
-              <a:rPr lang="fr-FR" smtClean="0"/>
+              <a:rPr lang="fr-FR"/>
               <a:t>Cinquième niveau</a:t>
             </a:r>
-            <a:endParaRPr lang="fr-FR"/>
           </a:p>
         </p:txBody>
       </p:sp>
@@ -1509,10 +1500,9 @@
           </a:lstStyle>
           <a:p>
             <a:r>
-              <a:rPr lang="fr-FR" smtClean="0"/>
+              <a:rPr lang="fr-FR"/>
               <a:t>Cliquez pour modifier le style du titre</a:t>
             </a:r>
-            <a:endParaRPr lang="fr-FR"/>
           </a:p>
         </p:txBody>
       </p:sp>
@@ -1575,7 +1565,7 @@
           <a:p>
             <a:pPr lvl="0"/>
             <a:r>
-              <a:rPr lang="fr-FR" smtClean="0"/>
+              <a:rPr lang="fr-FR"/>
               <a:t>Cliquez pour modifier les styles du texte du masque</a:t>
             </a:r>
           </a:p>
@@ -1631,38 +1621,37 @@
           <a:p>
             <a:pPr lvl="0"/>
             <a:r>
-              <a:rPr lang="fr-FR" smtClean="0"/>
+              <a:rPr lang="fr-FR"/>
               <a:t>Cliquez pour modifier les styles du texte du masque</a:t>
             </a:r>
           </a:p>
           <a:p>
             <a:pPr lvl="1"/>
             <a:r>
-              <a:rPr lang="fr-FR" smtClean="0"/>
+              <a:rPr lang="fr-FR"/>
               <a:t>Deuxième niveau</a:t>
             </a:r>
           </a:p>
           <a:p>
             <a:pPr lvl="2"/>
             <a:r>
-              <a:rPr lang="fr-FR" smtClean="0"/>
+              <a:rPr lang="fr-FR"/>
               <a:t>Troisième niveau</a:t>
             </a:r>
           </a:p>
           <a:p>
             <a:pPr lvl="3"/>
             <a:r>
-              <a:rPr lang="fr-FR" smtClean="0"/>
+              <a:rPr lang="fr-FR"/>
               <a:t>Quatrième niveau</a:t>
             </a:r>
           </a:p>
           <a:p>
             <a:pPr lvl="4"/>
             <a:r>
-              <a:rPr lang="fr-FR" smtClean="0"/>
+              <a:rPr lang="fr-FR"/>
               <a:t>Cinquième niveau</a:t>
             </a:r>
-            <a:endParaRPr lang="fr-FR"/>
           </a:p>
         </p:txBody>
       </p:sp>
@@ -1725,7 +1714,7 @@
           <a:p>
             <a:pPr lvl="0"/>
             <a:r>
-              <a:rPr lang="fr-FR" smtClean="0"/>
+              <a:rPr lang="fr-FR"/>
               <a:t>Cliquez pour modifier les styles du texte du masque</a:t>
             </a:r>
           </a:p>
@@ -1781,38 +1770,37 @@
           <a:p>
             <a:pPr lvl="0"/>
             <a:r>
-              <a:rPr lang="fr-FR" smtClean="0"/>
+              <a:rPr lang="fr-FR"/>
               <a:t>Cliquez pour modifier les styles du texte du masque</a:t>
             </a:r>
           </a:p>
           <a:p>
             <a:pPr lvl="1"/>
             <a:r>
-              <a:rPr lang="fr-FR" smtClean="0"/>
+              <a:rPr lang="fr-FR"/>
               <a:t>Deuxième niveau</a:t>
             </a:r>
           </a:p>
           <a:p>
             <a:pPr lvl="2"/>
             <a:r>
-              <a:rPr lang="fr-FR" smtClean="0"/>
+              <a:rPr lang="fr-FR"/>
               <a:t>Troisième niveau</a:t>
             </a:r>
           </a:p>
           <a:p>
             <a:pPr lvl="3"/>
             <a:r>
-              <a:rPr lang="fr-FR" smtClean="0"/>
+              <a:rPr lang="fr-FR"/>
               <a:t>Quatrième niveau</a:t>
             </a:r>
           </a:p>
           <a:p>
             <a:pPr lvl="4"/>
             <a:r>
-              <a:rPr lang="fr-FR" smtClean="0"/>
+              <a:rPr lang="fr-FR"/>
               <a:t>Cinquième niveau</a:t>
             </a:r>
-            <a:endParaRPr lang="fr-FR"/>
           </a:p>
         </p:txBody>
       </p:sp>
@@ -1862,10 +1850,9 @@
           <a:lstStyle/>
           <a:p>
             <a:r>
-              <a:rPr lang="fr-FR" smtClean="0"/>
+              <a:rPr lang="fr-FR"/>
               <a:t>Cliquez pour modifier le style du titre</a:t>
             </a:r>
-            <a:endParaRPr lang="fr-FR"/>
           </a:p>
         </p:txBody>
       </p:sp>
@@ -1954,10 +1941,9 @@
           </a:lstStyle>
           <a:p>
             <a:r>
-              <a:rPr lang="fr-FR" smtClean="0"/>
+              <a:rPr lang="fr-FR"/>
               <a:t>Cliquez pour modifier le style du titre</a:t>
             </a:r>
-            <a:endParaRPr lang="fr-FR"/>
           </a:p>
         </p:txBody>
       </p:sp>
@@ -2011,38 +1997,37 @@
           <a:p>
             <a:pPr lvl="0"/>
             <a:r>
-              <a:rPr lang="fr-FR" smtClean="0"/>
+              <a:rPr lang="fr-FR"/>
               <a:t>Cliquez pour modifier les styles du texte du masque</a:t>
             </a:r>
           </a:p>
           <a:p>
             <a:pPr lvl="1"/>
             <a:r>
-              <a:rPr lang="fr-FR" smtClean="0"/>
+              <a:rPr lang="fr-FR"/>
               <a:t>Deuxième niveau</a:t>
             </a:r>
           </a:p>
           <a:p>
             <a:pPr lvl="2"/>
             <a:r>
-              <a:rPr lang="fr-FR" smtClean="0"/>
+              <a:rPr lang="fr-FR"/>
               <a:t>Troisième niveau</a:t>
             </a:r>
           </a:p>
           <a:p>
             <a:pPr lvl="3"/>
             <a:r>
-              <a:rPr lang="fr-FR" smtClean="0"/>
+              <a:rPr lang="fr-FR"/>
               <a:t>Quatrième niveau</a:t>
             </a:r>
           </a:p>
           <a:p>
             <a:pPr lvl="4"/>
             <a:r>
-              <a:rPr lang="fr-FR" smtClean="0"/>
+              <a:rPr lang="fr-FR"/>
               <a:t>Cinquième niveau</a:t>
             </a:r>
-            <a:endParaRPr lang="fr-FR"/>
           </a:p>
         </p:txBody>
       </p:sp>
@@ -2105,7 +2090,7 @@
           <a:p>
             <a:pPr lvl="0"/>
             <a:r>
-              <a:rPr lang="fr-FR" smtClean="0"/>
+              <a:rPr lang="fr-FR"/>
               <a:t>Cliquez pour modifier les styles du texte du masque</a:t>
             </a:r>
           </a:p>
@@ -2166,10 +2151,9 @@
           </a:lstStyle>
           <a:p>
             <a:r>
-              <a:rPr lang="fr-FR" smtClean="0"/>
+              <a:rPr lang="fr-FR"/>
               <a:t>Cliquez pour modifier le style du titre</a:t>
             </a:r>
-            <a:endParaRPr lang="fr-FR"/>
           </a:p>
         </p:txBody>
       </p:sp>
@@ -2231,7 +2215,7 @@
           </a:lstStyle>
           <a:p>
             <a:pPr lvl="0"/>
-            <a:endParaRPr lang="fr-FR" noProof="0" smtClean="0"/>
+            <a:endParaRPr lang="fr-FR" noProof="0"/>
           </a:p>
         </p:txBody>
       </p:sp>
@@ -2294,7 +2278,7 @@
           <a:p>
             <a:pPr lvl="0"/>
             <a:r>
-              <a:rPr lang="fr-FR" smtClean="0"/>
+              <a:rPr lang="fr-FR"/>
               <a:t>Cliquez pour modifier les styles du texte du masque</a:t>
             </a:r>
           </a:p>
@@ -2346,10 +2330,9 @@
           <a:lstStyle/>
           <a:p>
             <a:r>
-              <a:rPr lang="fr-FR" smtClean="0"/>
+              <a:rPr lang="fr-FR"/>
               <a:t>Cliquez pour modifier le style du titre</a:t>
             </a:r>
-            <a:endParaRPr lang="fr-FR"/>
           </a:p>
         </p:txBody>
       </p:sp>
@@ -2370,38 +2353,37 @@
           <a:p>
             <a:pPr lvl="0"/>
             <a:r>
-              <a:rPr lang="fr-FR" smtClean="0"/>
+              <a:rPr lang="fr-FR"/>
               <a:t>Cliquez pour modifier les styles du texte du masque</a:t>
             </a:r>
           </a:p>
           <a:p>
             <a:pPr lvl="1"/>
             <a:r>
-              <a:rPr lang="fr-FR" smtClean="0"/>
+              <a:rPr lang="fr-FR"/>
               <a:t>Deuxième niveau</a:t>
             </a:r>
           </a:p>
           <a:p>
             <a:pPr lvl="2"/>
             <a:r>
-              <a:rPr lang="fr-FR" smtClean="0"/>
+              <a:rPr lang="fr-FR"/>
               <a:t>Troisième niveau</a:t>
             </a:r>
           </a:p>
           <a:p>
             <a:pPr lvl="3"/>
             <a:r>
-              <a:rPr lang="fr-FR" smtClean="0"/>
+              <a:rPr lang="fr-FR"/>
               <a:t>Quatrième niveau</a:t>
             </a:r>
           </a:p>
           <a:p>
             <a:pPr lvl="4"/>
             <a:r>
-              <a:rPr lang="fr-FR" smtClean="0"/>
+              <a:rPr lang="fr-FR"/>
               <a:t>Cinquième niveau</a:t>
             </a:r>
-            <a:endParaRPr lang="fr-FR"/>
           </a:p>
         </p:txBody>
       </p:sp>
@@ -2582,7 +2564,7 @@
             <a:pPr eaLnBrk="1" hangingPunct="1">
               <a:defRPr/>
             </a:pPr>
-            <a:endParaRPr lang="fr-FR" altLang="fr-FR" smtClean="0"/>
+            <a:endParaRPr lang="fr-FR" altLang="fr-FR"/>
           </a:p>
         </p:txBody>
       </p:sp>
@@ -2736,7 +2718,7 @@
               <a:defRPr/>
             </a:pPr>
             <a:r>
-              <a:rPr lang="fr-FR" sz="1200" dirty="0" smtClean="0"/>
+              <a:rPr lang="fr-FR" sz="1200" dirty="0"/>
               <a:t>Page </a:t>
             </a:r>
             <a:fld id="{E218E9B1-FD08-4C80-902E-210BA2967D0D}" type="slidenum">
@@ -2749,7 +2731,7 @@
               </a:pPr>
               <a:t>‹N°›</a:t>
             </a:fld>
-            <a:endParaRPr lang="fr-FR" dirty="0" smtClean="0">
+            <a:endParaRPr lang="fr-FR" dirty="0">
               <a:latin typeface="Times New Roman" pitchFamily="18" charset="0"/>
             </a:endParaRPr>
           </a:p>
@@ -2905,10 +2887,10 @@
               <a:defRPr/>
             </a:pPr>
             <a:r>
-              <a:rPr lang="fr-FR" sz="1600" dirty="0" err="1" smtClean="0"/>
+              <a:rPr lang="fr-FR" sz="1600" dirty="0" err="1"/>
               <a:t>IoT</a:t>
             </a:r>
-            <a:endParaRPr lang="fr-FR" dirty="0" smtClean="0">
+            <a:endParaRPr lang="fr-FR" dirty="0">
               <a:latin typeface="Times New Roman" pitchFamily="18" charset="0"/>
             </a:endParaRPr>
           </a:p>
@@ -2966,7 +2948,7 @@
           <a:p>
             <a:pPr lvl="0"/>
             <a:r>
-              <a:rPr lang="fr-FR" altLang="fr-FR" smtClean="0"/>
+              <a:rPr lang="fr-FR" altLang="fr-FR"/>
               <a:t>Cliquez pour modifier le style du titre du masque</a:t>
             </a:r>
           </a:p>
@@ -3024,35 +3006,35 @@
           <a:p>
             <a:pPr lvl="0"/>
             <a:r>
-              <a:rPr lang="fr-FR" altLang="fr-FR" smtClean="0"/>
+              <a:rPr lang="fr-FR" altLang="fr-FR"/>
               <a:t>Cliquez pour modifier les styles du texte du masque</a:t>
             </a:r>
           </a:p>
           <a:p>
             <a:pPr lvl="1"/>
             <a:r>
-              <a:rPr lang="fr-FR" altLang="fr-FR" smtClean="0"/>
+              <a:rPr lang="fr-FR" altLang="fr-FR"/>
               <a:t>Deuxième niveau</a:t>
             </a:r>
           </a:p>
           <a:p>
             <a:pPr lvl="2"/>
             <a:r>
-              <a:rPr lang="fr-FR" altLang="fr-FR" smtClean="0"/>
+              <a:rPr lang="fr-FR" altLang="fr-FR"/>
               <a:t>Troisième niveau</a:t>
             </a:r>
           </a:p>
           <a:p>
             <a:pPr lvl="3"/>
             <a:r>
-              <a:rPr lang="fr-FR" altLang="fr-FR" smtClean="0"/>
+              <a:rPr lang="fr-FR" altLang="fr-FR"/>
               <a:t>Quatrième niveau</a:t>
             </a:r>
           </a:p>
           <a:p>
             <a:pPr lvl="4"/>
             <a:r>
-              <a:rPr lang="fr-FR" altLang="fr-FR" smtClean="0"/>
+              <a:rPr lang="fr-FR" altLang="fr-FR"/>
               <a:t>Cinquième niveau</a:t>
             </a:r>
           </a:p>
@@ -3208,10 +3190,10 @@
               <a:defRPr/>
             </a:pPr>
             <a:r>
-              <a:rPr lang="fr-FR" sz="1200" smtClean="0"/>
+              <a:rPr lang="fr-FR" sz="1200"/>
               <a:t>© Cyril Vincent Conseil</a:t>
             </a:r>
-            <a:endParaRPr lang="fr-FR" smtClean="0">
+            <a:endParaRPr lang="fr-FR">
               <a:latin typeface="Times New Roman" pitchFamily="18" charset="0"/>
             </a:endParaRPr>
           </a:p>
@@ -3698,10 +3680,10 @@
           <a:p>
             <a:pPr eaLnBrk="1" hangingPunct="1"/>
             <a:r>
-              <a:rPr lang="fr-FR" altLang="fr-FR" dirty="0" err="1" smtClean="0"/>
+              <a:rPr lang="fr-FR" altLang="fr-FR" dirty="0" err="1"/>
               <a:t>IoT</a:t>
             </a:r>
-            <a:endParaRPr lang="fr-FR" altLang="fr-FR" dirty="0" smtClean="0"/>
+            <a:endParaRPr lang="fr-FR" altLang="fr-FR" dirty="0"/>
           </a:p>
           <a:p>
             <a:pPr eaLnBrk="1" hangingPunct="1"/>
@@ -3710,17 +3692,17 @@
           <a:p>
             <a:pPr eaLnBrk="1" hangingPunct="1"/>
             <a:r>
-              <a:rPr lang="fr-FR" altLang="fr-FR" dirty="0" smtClean="0"/>
+              <a:rPr lang="fr-FR" altLang="fr-FR" dirty="0"/>
               <a:t>Chapitre 2</a:t>
             </a:r>
           </a:p>
           <a:p>
             <a:pPr eaLnBrk="1" hangingPunct="1"/>
             <a:r>
-              <a:rPr lang="fr-FR" altLang="fr-FR" dirty="0" err="1" smtClean="0"/>
+              <a:rPr lang="fr-FR" altLang="fr-FR" dirty="0" err="1"/>
               <a:t>Arduino</a:t>
             </a:r>
-            <a:endParaRPr lang="fr-FR" altLang="fr-FR" dirty="0" smtClean="0"/>
+            <a:endParaRPr lang="fr-FR" altLang="fr-FR" dirty="0"/>
           </a:p>
         </p:txBody>
       </p:sp>
@@ -3753,13 +3735,6 @@
   <p:clrMapOvr>
     <a:masterClrMapping/>
   </p:clrMapOvr>
-  <p:timing>
-    <p:tnLst>
-      <p:par>
-        <p:cTn id="1" dur="indefinite" restart="never" nodeType="tmRoot"/>
-      </p:par>
-    </p:tnLst>
-  </p:timing>
 </p:sld>
 </file>
 
@@ -3796,7 +3771,7 @@
           <a:lstStyle/>
           <a:p>
             <a:r>
-              <a:rPr lang="fr-FR" dirty="0" err="1" smtClean="0"/>
+              <a:rPr lang="fr-FR" dirty="0" err="1"/>
               <a:t>Arduino</a:t>
             </a:r>
             <a:endParaRPr lang="fr-FR" dirty="0"/>
@@ -3819,51 +3794,65 @@
           <a:lstStyle/>
           <a:p>
             <a:r>
-              <a:rPr lang="fr-FR" dirty="0" err="1" smtClean="0"/>
+              <a:rPr lang="fr-FR" dirty="0" err="1"/>
               <a:t>Arduino</a:t>
             </a:r>
             <a:r>
-              <a:rPr lang="fr-FR" dirty="0" smtClean="0"/>
+              <a:rPr lang="fr-FR" dirty="0"/>
               <a:t> est un projet libre de </a:t>
             </a:r>
             <a:r>
-              <a:rPr lang="fr-FR" dirty="0" err="1" smtClean="0"/>
+              <a:rPr lang="fr-FR" dirty="0" err="1"/>
               <a:t>micro-contrôleur</a:t>
             </a:r>
-            <a:endParaRPr lang="fr-FR" dirty="0" smtClean="0"/>
+            <a:endParaRPr lang="fr-FR" dirty="0"/>
           </a:p>
           <a:p>
             <a:pPr lvl="1"/>
             <a:r>
-              <a:rPr lang="fr-FR" dirty="0" smtClean="0"/>
+              <a:rPr lang="fr-FR" dirty="0"/>
               <a:t>Hardware</a:t>
             </a:r>
           </a:p>
           <a:p>
             <a:pPr lvl="1"/>
             <a:r>
-              <a:rPr lang="fr-FR" dirty="0" err="1" smtClean="0"/>
+              <a:rPr lang="fr-FR" dirty="0" err="1"/>
               <a:t>Sofware</a:t>
             </a:r>
-            <a:endParaRPr lang="fr-FR" dirty="0" smtClean="0"/>
+            <a:endParaRPr lang="fr-FR" dirty="0"/>
           </a:p>
           <a:p>
             <a:pPr lvl="1"/>
             <a:r>
-              <a:rPr lang="fr-FR" dirty="0" smtClean="0"/>
+              <a:rPr lang="fr-FR" dirty="0"/>
               <a:t>Pas d'OS</a:t>
             </a:r>
           </a:p>
           <a:p>
             <a:r>
-              <a:rPr lang="fr-FR" dirty="0" smtClean="0"/>
+              <a:rPr lang="fr-FR" dirty="0"/>
               <a:t>Arduino.cc</a:t>
             </a:r>
           </a:p>
           <a:p>
             <a:r>
-              <a:rPr lang="fr-FR" dirty="0" smtClean="0"/>
+              <a:rPr lang="fr-FR" dirty="0"/>
               <a:t>Basé sur ATM</a:t>
+            </a:r>
+          </a:p>
+          <a:p>
+            <a:r>
+              <a:rPr lang="fr-FR" dirty="0"/>
+              <a:t>Mais au fait c'est quoi un </a:t>
+            </a:r>
+            <a:r>
+              <a:rPr lang="fr-FR" dirty="0" err="1"/>
+              <a:t>micro-contrôleur</a:t>
+            </a:r>
+            <a:r>
+              <a:rPr lang="fr-FR"/>
+              <a:t> ?</a:t>
             </a:r>
             <a:endParaRPr lang="fr-FR" dirty="0"/>
           </a:p>
@@ -3939,11 +3928,11 @@
           <a:lstStyle/>
           <a:p>
             <a:r>
-              <a:rPr lang="fr-FR" dirty="0" smtClean="0"/>
+              <a:rPr lang="fr-FR" dirty="0"/>
               <a:t>Les différents types d'</a:t>
             </a:r>
             <a:r>
-              <a:rPr lang="fr-FR" dirty="0" err="1" smtClean="0"/>
+              <a:rPr lang="fr-FR" dirty="0" err="1"/>
               <a:t>Arduino</a:t>
             </a:r>
             <a:endParaRPr lang="fr-FR" dirty="0"/>
@@ -4020,14 +4009,13 @@
           <a:lstStyle/>
           <a:p>
             <a:r>
-              <a:rPr lang="fr-FR" dirty="0" err="1" smtClean="0"/>
+              <a:rPr lang="fr-FR" dirty="0" err="1"/>
               <a:t>Arduino</a:t>
             </a:r>
             <a:r>
-              <a:rPr lang="fr-FR" dirty="0" smtClean="0"/>
+              <a:rPr lang="fr-FR" dirty="0"/>
               <a:t> UNO</a:t>
             </a:r>
-            <a:endParaRPr lang="fr-FR" dirty="0"/>
           </a:p>
         </p:txBody>
       </p:sp>
@@ -4047,101 +4035,97 @@
           <a:lstStyle/>
           <a:p>
             <a:r>
-              <a:rPr lang="fr-FR" sz="2400" dirty="0" err="1" smtClean="0"/>
+              <a:rPr lang="fr-FR" sz="2400" dirty="0" err="1"/>
               <a:t>Arduino</a:t>
             </a:r>
             <a:r>
-              <a:rPr lang="fr-FR" sz="2400" dirty="0" smtClean="0"/>
+              <a:rPr lang="fr-FR" sz="2400" dirty="0"/>
               <a:t> </a:t>
             </a:r>
             <a:r>
-              <a:rPr lang="fr-FR" sz="2400" dirty="0" err="1" smtClean="0"/>
+              <a:rPr lang="fr-FR" sz="2400" dirty="0" err="1"/>
               <a:t>Uno</a:t>
             </a:r>
             <a:r>
-              <a:rPr lang="fr-FR" sz="2400" dirty="0" smtClean="0"/>
+              <a:rPr lang="fr-FR" sz="2400" dirty="0"/>
               <a:t> est le produit phare d'</a:t>
             </a:r>
             <a:r>
-              <a:rPr lang="fr-FR" sz="2400" dirty="0" err="1" smtClean="0"/>
+              <a:rPr lang="fr-FR" sz="2400" dirty="0" err="1"/>
               <a:t>Arduino</a:t>
             </a:r>
-            <a:endParaRPr lang="fr-FR" sz="2400" dirty="0" smtClean="0"/>
+            <a:endParaRPr lang="fr-FR" sz="2400" dirty="0"/>
           </a:p>
           <a:p>
             <a:r>
               <a:rPr lang="fr-FR" sz="2400" dirty="0"/>
-              <a:t>Contrôleur </a:t>
-            </a:r>
-            <a:r>
-              <a:rPr lang="fr-FR" sz="2400" dirty="0" smtClean="0"/>
-              <a:t>ATmega328P</a:t>
-            </a:r>
-          </a:p>
-          <a:p>
-            <a:r>
-              <a:rPr lang="fr-FR" sz="2400" dirty="0" smtClean="0"/>
+              <a:t>Contrôleur ATmega328P</a:t>
+            </a:r>
+          </a:p>
+          <a:p>
+            <a:r>
+              <a:rPr lang="fr-FR" sz="2400" dirty="0"/>
               <a:t>Flash : 32Ko</a:t>
             </a:r>
           </a:p>
           <a:p>
             <a:r>
-              <a:rPr lang="fr-FR" sz="2400" dirty="0" smtClean="0"/>
+              <a:rPr lang="fr-FR" sz="2400" dirty="0"/>
               <a:t>RAM : 2Ko</a:t>
             </a:r>
           </a:p>
           <a:p>
             <a:r>
-              <a:rPr lang="fr-FR" sz="2400" dirty="0" smtClean="0"/>
+              <a:rPr lang="fr-FR" sz="2400" dirty="0"/>
               <a:t>20 MHz en 8 bits</a:t>
             </a:r>
           </a:p>
           <a:p>
             <a:r>
-              <a:rPr lang="fr-FR" sz="2400" dirty="0" smtClean="0"/>
+              <a:rPr lang="fr-FR" sz="2400" dirty="0"/>
               <a:t>16 I/O Numériques</a:t>
             </a:r>
           </a:p>
           <a:p>
             <a:pPr lvl="1"/>
             <a:r>
-              <a:rPr lang="fr-FR" sz="2000" dirty="0" smtClean="0"/>
+              <a:rPr lang="fr-FR" sz="2000" dirty="0"/>
               <a:t>Dont 6 en bus</a:t>
             </a:r>
           </a:p>
           <a:p>
             <a:r>
-              <a:rPr lang="fr-FR" sz="2400" dirty="0" smtClean="0"/>
+              <a:rPr lang="fr-FR" sz="2400" dirty="0"/>
               <a:t>6 I/O Analogiques</a:t>
             </a:r>
           </a:p>
           <a:p>
             <a:r>
-              <a:rPr lang="fr-FR" sz="2400" dirty="0" smtClean="0"/>
+              <a:rPr lang="fr-FR" sz="2400" dirty="0"/>
               <a:t>U = 5v-12v</a:t>
             </a:r>
           </a:p>
           <a:p>
             <a:r>
-              <a:rPr lang="fr-FR" sz="2400" dirty="0" smtClean="0"/>
+              <a:rPr lang="fr-FR" sz="2400" dirty="0"/>
               <a:t>I = 46mA pour 9v</a:t>
             </a:r>
           </a:p>
           <a:p>
             <a:r>
-              <a:rPr lang="fr-FR" sz="2400" dirty="0" err="1" smtClean="0"/>
+              <a:rPr lang="fr-FR" sz="2400" dirty="0" err="1"/>
               <a:t>Pmin</a:t>
             </a:r>
             <a:r>
-              <a:rPr lang="fr-FR" sz="2400" dirty="0" smtClean="0"/>
+              <a:rPr lang="fr-FR" sz="2400" dirty="0"/>
               <a:t> = 0.41W, </a:t>
             </a:r>
             <a:r>
-              <a:rPr lang="fr-FR" sz="2400" dirty="0" err="1" smtClean="0"/>
+              <a:rPr lang="fr-FR" sz="2400" dirty="0" err="1"/>
               <a:t>Pmax</a:t>
             </a:r>
             <a:r>
-              <a:rPr lang="fr-FR" sz="2400" dirty="0" smtClean="0"/>
+              <a:rPr lang="fr-FR" sz="2400" dirty="0"/>
               <a:t> = 2.5W</a:t>
             </a:r>
           </a:p>
@@ -4237,10 +4221,9 @@
           <a:lstStyle/>
           <a:p>
             <a:r>
-              <a:rPr lang="fr-FR" dirty="0" smtClean="0"/>
+              <a:rPr lang="fr-FR" dirty="0"/>
               <a:t>Kits</a:t>
             </a:r>
-            <a:endParaRPr lang="fr-FR" dirty="0"/>
           </a:p>
         </p:txBody>
       </p:sp>
@@ -4260,15 +4243,15 @@
           <a:lstStyle/>
           <a:p>
             <a:r>
-              <a:rPr lang="fr-FR" dirty="0" smtClean="0"/>
+              <a:rPr lang="fr-FR" dirty="0"/>
               <a:t>La carte </a:t>
             </a:r>
             <a:r>
-              <a:rPr lang="fr-FR" dirty="0" err="1" smtClean="0"/>
+              <a:rPr lang="fr-FR" dirty="0" err="1"/>
               <a:t>Arduino</a:t>
             </a:r>
             <a:r>
-              <a:rPr lang="fr-FR" dirty="0" smtClean="0"/>
+              <a:rPr lang="fr-FR" dirty="0"/>
               <a:t> nécessite un kit pour brancher des éléments</a:t>
             </a:r>
           </a:p>
@@ -4364,10 +4347,9 @@
           <a:lstStyle/>
           <a:p>
             <a:r>
-              <a:rPr lang="fr-FR" dirty="0" smtClean="0"/>
+              <a:rPr lang="fr-FR" dirty="0"/>
               <a:t>Types d'extensions</a:t>
             </a:r>
-            <a:endParaRPr lang="fr-FR" dirty="0"/>
           </a:p>
         </p:txBody>
       </p:sp>
@@ -4392,49 +4374,41 @@
           <a:lstStyle/>
           <a:p>
             <a:r>
-              <a:rPr lang="fr-FR" dirty="0" smtClean="0"/>
+              <a:rPr lang="fr-FR" dirty="0"/>
               <a:t>I/O</a:t>
             </a:r>
           </a:p>
           <a:p>
             <a:pPr lvl="1"/>
             <a:r>
-              <a:rPr lang="fr-FR" dirty="0" smtClean="0"/>
-              <a:t>Nécessite une planche d'essai ou des </a:t>
-            </a:r>
-            <a:r>
-              <a:rPr lang="fr-FR" dirty="0" smtClean="0"/>
-              <a:t>soudures </a:t>
-            </a:r>
-            <a:r>
-              <a:rPr lang="fr-FR" dirty="0" smtClean="0"/>
-              <a:t>pour fonctionner</a:t>
-            </a:r>
-          </a:p>
-          <a:p>
-            <a:r>
-              <a:rPr lang="fr-FR" dirty="0" smtClean="0"/>
+              <a:rPr lang="fr-FR" dirty="0"/>
+              <a:t>Nécessite une planche d'essai ou des soudures pour fonctionner</a:t>
+            </a:r>
+          </a:p>
+          <a:p>
+            <a:r>
+              <a:rPr lang="fr-FR" dirty="0"/>
               <a:t>Bridge</a:t>
             </a:r>
           </a:p>
           <a:p>
             <a:pPr lvl="1"/>
             <a:r>
-              <a:rPr lang="fr-FR" dirty="0" smtClean="0"/>
+              <a:rPr lang="fr-FR" dirty="0"/>
               <a:t>Se branche directement sur l'</a:t>
             </a:r>
             <a:r>
-              <a:rPr lang="fr-FR" dirty="0" err="1" smtClean="0"/>
+              <a:rPr lang="fr-FR" dirty="0" err="1"/>
               <a:t>Arduino</a:t>
             </a:r>
             <a:r>
-              <a:rPr lang="fr-FR" dirty="0" smtClean="0"/>
+              <a:rPr lang="fr-FR" dirty="0"/>
               <a:t> en passant par le Bridge</a:t>
             </a:r>
           </a:p>
           <a:p>
             <a:pPr lvl="1"/>
-            <a:endParaRPr lang="fr-FR" dirty="0" smtClean="0"/>
+            <a:endParaRPr lang="fr-FR" dirty="0"/>
           </a:p>
           <a:p>
             <a:pPr lvl="1"/>

--- a/ppt/IoT02-Arduino.pptx
+++ b/ppt/IoT02-Arduino.pptx
@@ -3836,6 +3836,13 @@
             </a:r>
           </a:p>
           <a:p>
+            <a:pPr lvl="1"/>
+            <a:r>
+              <a:rPr lang="fr-FR" dirty="0"/>
+              <a:t>Gotronic.fr</a:t>
+            </a:r>
+          </a:p>
+          <a:p>
             <a:r>
               <a:rPr lang="fr-FR" dirty="0"/>
               <a:t>Basé sur ATM</a:t>
@@ -3851,10 +3858,9 @@
               <a:t>micro-contrôleur</a:t>
             </a:r>
             <a:r>
-              <a:rPr lang="fr-FR"/>
+              <a:rPr lang="fr-FR" dirty="0"/>
               <a:t> ?</a:t>
             </a:r>
-            <a:endParaRPr lang="fr-FR" dirty="0"/>
           </a:p>
         </p:txBody>
       </p:sp>

--- a/ppt/IoT02-Arduino.pptx
+++ b/ppt/IoT02-Arduino.pptx
@@ -5,10 +5,10 @@
     <p:sldMasterId id="2147483653" r:id="rId1"/>
   </p:sldMasterIdLst>
   <p:notesMasterIdLst>
-    <p:notesMasterId r:id="rId8"/>
+    <p:notesMasterId r:id="rId9"/>
   </p:notesMasterIdLst>
   <p:handoutMasterIdLst>
-    <p:handoutMasterId r:id="rId9"/>
+    <p:handoutMasterId r:id="rId10"/>
   </p:handoutMasterIdLst>
   <p:sldIdLst>
     <p:sldId id="264" r:id="rId2"/>
@@ -17,6 +17,7 @@
     <p:sldId id="266" r:id="rId5"/>
     <p:sldId id="268" r:id="rId6"/>
     <p:sldId id="269" r:id="rId7"/>
+    <p:sldId id="270" r:id="rId8"/>
   </p:sldIdLst>
   <p:sldSz cx="9144000" cy="6858000" type="screen4x3"/>
   <p:notesSz cx="6648450" cy="9782175"/>
@@ -4034,12 +4035,8 @@
           <a:lstStyle/>
           <a:p>
             <a:r>
-              <a:rPr lang="fr-FR" sz="2400" dirty="0" err="1"/>
-              <a:t>Arduino</a:t>
-            </a:r>
-            <a:r>
               <a:rPr lang="fr-FR" sz="2400" dirty="0"/>
-              <a:t> </a:t>
+              <a:t>Arduino </a:t>
             </a:r>
             <a:r>
               <a:rPr lang="fr-FR" sz="2400" dirty="0" err="1"/>
@@ -4047,13 +4044,14 @@
             </a:r>
             <a:r>
               <a:rPr lang="fr-FR" sz="2400" dirty="0"/>
-              <a:t> est le produit phare d'</a:t>
-            </a:r>
-            <a:r>
-              <a:rPr lang="fr-FR" sz="2400" dirty="0" err="1"/>
-              <a:t>Arduino</a:t>
-            </a:r>
-            <a:endParaRPr lang="fr-FR" sz="2400" dirty="0"/>
+              <a:t> est le produit phare d'Arduino</a:t>
+            </a:r>
+          </a:p>
+          <a:p>
+            <a:r>
+              <a:rPr lang="fr-FR" sz="2400" dirty="0"/>
+              <a:t>2010</a:t>
+            </a:r>
           </a:p>
           <a:p>
             <a:r>
@@ -4482,6 +4480,136 @@
     <p:extLst>
       <p:ext uri="{BB962C8B-B14F-4D97-AF65-F5344CB8AC3E}">
         <p14:creationId xmlns:p14="http://schemas.microsoft.com/office/powerpoint/2010/main" val="3296270152"/>
+      </p:ext>
+    </p:extLst>
+  </p:cSld>
+  <p:clrMapOvr>
+    <a:masterClrMapping/>
+  </p:clrMapOvr>
+</p:sld>
+</file>
+
+<file path=ppt/slides/slide7.xml><?xml version="1.0" encoding="utf-8"?>
+<p:sld xmlns:a="http://schemas.openxmlformats.org/drawingml/2006/main" xmlns:r="http://schemas.openxmlformats.org/officeDocument/2006/relationships" xmlns:p="http://schemas.openxmlformats.org/presentationml/2006/main">
+  <p:cSld>
+    <p:spTree>
+      <p:nvGrpSpPr>
+        <p:cNvPr id="1" name=""/>
+        <p:cNvGrpSpPr/>
+        <p:nvPr/>
+      </p:nvGrpSpPr>
+      <p:grpSpPr>
+        <a:xfrm>
+          <a:off x="0" y="0"/>
+          <a:ext cx="0" cy="0"/>
+          <a:chOff x="0" y="0"/>
+          <a:chExt cx="0" cy="0"/>
+        </a:xfrm>
+      </p:grpSpPr>
+      <p:sp>
+        <p:nvSpPr>
+          <p:cNvPr id="2" name="Titre 1">
+            <a:extLst>
+              <a:ext uri="{FF2B5EF4-FFF2-40B4-BE49-F238E27FC236}">
+                <a16:creationId xmlns:a16="http://schemas.microsoft.com/office/drawing/2014/main" id="{1DF2CEE6-0862-95AA-EEE3-F5B51D72E2D5}"/>
+              </a:ext>
+            </a:extLst>
+          </p:cNvPr>
+          <p:cNvSpPr>
+            <a:spLocks noGrp="1"/>
+          </p:cNvSpPr>
+          <p:nvPr>
+            <p:ph type="title"/>
+          </p:nvPr>
+        </p:nvSpPr>
+        <p:spPr/>
+        <p:txBody>
+          <a:bodyPr/>
+          <a:lstStyle/>
+          <a:p>
+            <a:r>
+              <a:rPr lang="fr-FR" dirty="0"/>
+              <a:t>De nombreux autres Arduino</a:t>
+            </a:r>
+          </a:p>
+        </p:txBody>
+      </p:sp>
+      <p:sp>
+        <p:nvSpPr>
+          <p:cNvPr id="3" name="Espace réservé du contenu 2">
+            <a:extLst>
+              <a:ext uri="{FF2B5EF4-FFF2-40B4-BE49-F238E27FC236}">
+                <a16:creationId xmlns:a16="http://schemas.microsoft.com/office/drawing/2014/main" id="{D3326C9E-45E4-2328-D46B-21720299F3DE}"/>
+              </a:ext>
+            </a:extLst>
+          </p:cNvPr>
+          <p:cNvSpPr>
+            <a:spLocks noGrp="1"/>
+          </p:cNvSpPr>
+          <p:nvPr>
+            <p:ph idx="1"/>
+          </p:nvPr>
+        </p:nvSpPr>
+        <p:spPr/>
+        <p:txBody>
+          <a:bodyPr/>
+          <a:lstStyle/>
+          <a:p>
+            <a:endParaRPr lang="fr-FR"/>
+          </a:p>
+        </p:txBody>
+      </p:sp>
+      <p:pic>
+        <p:nvPicPr>
+          <p:cNvPr id="1026" name="Picture 2" descr="Image non disponible">
+            <a:extLst>
+              <a:ext uri="{FF2B5EF4-FFF2-40B4-BE49-F238E27FC236}">
+                <a16:creationId xmlns:a16="http://schemas.microsoft.com/office/drawing/2014/main" id="{78E29E67-96BC-ACA8-D72A-30581987B03F}"/>
+              </a:ext>
+            </a:extLst>
+          </p:cNvPr>
+          <p:cNvPicPr>
+            <a:picLocks noChangeAspect="1" noChangeArrowheads="1"/>
+          </p:cNvPicPr>
+          <p:nvPr/>
+        </p:nvPicPr>
+        <p:blipFill>
+          <a:blip r:embed="rId2">
+            <a:extLst>
+              <a:ext uri="{28A0092B-C50C-407E-A947-70E740481C1C}">
+                <a14:useLocalDpi xmlns:a14="http://schemas.microsoft.com/office/drawing/2010/main" val="0"/>
+              </a:ext>
+            </a:extLst>
+          </a:blip>
+          <a:srcRect/>
+          <a:stretch>
+            <a:fillRect/>
+          </a:stretch>
+        </p:blipFill>
+        <p:spPr bwMode="auto">
+          <a:xfrm>
+            <a:off x="0" y="1173163"/>
+            <a:ext cx="9144000" cy="4510087"/>
+          </a:xfrm>
+          <a:prstGeom prst="rect">
+            <a:avLst/>
+          </a:prstGeom>
+          <a:noFill/>
+          <a:extLst>
+            <a:ext uri="{909E8E84-426E-40DD-AFC4-6F175D3DCCD1}">
+              <a14:hiddenFill xmlns:a14="http://schemas.microsoft.com/office/drawing/2010/main">
+                <a:solidFill>
+                  <a:srgbClr val="FFFFFF"/>
+                </a:solidFill>
+              </a14:hiddenFill>
+            </a:ext>
+          </a:extLst>
+        </p:spPr>
+      </p:pic>
+    </p:spTree>
+    <p:extLst>
+      <p:ext uri="{BB962C8B-B14F-4D97-AF65-F5344CB8AC3E}">
+        <p14:creationId xmlns:p14="http://schemas.microsoft.com/office/powerpoint/2010/main" val="4128673749"/>
       </p:ext>
     </p:extLst>
   </p:cSld>
